--- a/figs/closed-loop.pptx
+++ b/figs/closed-loop.pptx
@@ -304,7 +304,7 @@
           <a:p>
             <a:fld id="{E9EB3E5B-3A48-BE41-BA18-533F6FCB141B}" type="datetimeFigureOut">
               <a:rPr kumimoji="1" lang="zh-CN" altLang="en-US" smtClean="0"/>
-              <a:t>2015/7/28</a:t>
+              <a:t>2015/11/10</a:t>
             </a:fld>
             <a:endParaRPr kumimoji="1" lang="zh-CN" altLang="en-US"/>
           </a:p>
@@ -474,7 +474,7 @@
           <a:p>
             <a:fld id="{E9EB3E5B-3A48-BE41-BA18-533F6FCB141B}" type="datetimeFigureOut">
               <a:rPr kumimoji="1" lang="zh-CN" altLang="en-US" smtClean="0"/>
-              <a:t>2015/7/28</a:t>
+              <a:t>2015/11/10</a:t>
             </a:fld>
             <a:endParaRPr kumimoji="1" lang="zh-CN" altLang="en-US"/>
           </a:p>
@@ -654,7 +654,7 @@
           <a:p>
             <a:fld id="{E9EB3E5B-3A48-BE41-BA18-533F6FCB141B}" type="datetimeFigureOut">
               <a:rPr kumimoji="1" lang="zh-CN" altLang="en-US" smtClean="0"/>
-              <a:t>2015/7/28</a:t>
+              <a:t>2015/11/10</a:t>
             </a:fld>
             <a:endParaRPr kumimoji="1" lang="zh-CN" altLang="en-US"/>
           </a:p>
@@ -824,7 +824,7 @@
           <a:p>
             <a:fld id="{E9EB3E5B-3A48-BE41-BA18-533F6FCB141B}" type="datetimeFigureOut">
               <a:rPr kumimoji="1" lang="zh-CN" altLang="en-US" smtClean="0"/>
-              <a:t>2015/7/28</a:t>
+              <a:t>2015/11/10</a:t>
             </a:fld>
             <a:endParaRPr kumimoji="1" lang="zh-CN" altLang="en-US"/>
           </a:p>
@@ -1070,7 +1070,7 @@
           <a:p>
             <a:fld id="{E9EB3E5B-3A48-BE41-BA18-533F6FCB141B}" type="datetimeFigureOut">
               <a:rPr kumimoji="1" lang="zh-CN" altLang="en-US" smtClean="0"/>
-              <a:t>2015/7/28</a:t>
+              <a:t>2015/11/10</a:t>
             </a:fld>
             <a:endParaRPr kumimoji="1" lang="zh-CN" altLang="en-US"/>
           </a:p>
@@ -1358,7 +1358,7 @@
           <a:p>
             <a:fld id="{E9EB3E5B-3A48-BE41-BA18-533F6FCB141B}" type="datetimeFigureOut">
               <a:rPr kumimoji="1" lang="zh-CN" altLang="en-US" smtClean="0"/>
-              <a:t>2015/7/28</a:t>
+              <a:t>2015/11/10</a:t>
             </a:fld>
             <a:endParaRPr kumimoji="1" lang="zh-CN" altLang="en-US"/>
           </a:p>
@@ -1780,7 +1780,7 @@
           <a:p>
             <a:fld id="{E9EB3E5B-3A48-BE41-BA18-533F6FCB141B}" type="datetimeFigureOut">
               <a:rPr kumimoji="1" lang="zh-CN" altLang="en-US" smtClean="0"/>
-              <a:t>2015/7/28</a:t>
+              <a:t>2015/11/10</a:t>
             </a:fld>
             <a:endParaRPr kumimoji="1" lang="zh-CN" altLang="en-US"/>
           </a:p>
@@ -1898,7 +1898,7 @@
           <a:p>
             <a:fld id="{E9EB3E5B-3A48-BE41-BA18-533F6FCB141B}" type="datetimeFigureOut">
               <a:rPr kumimoji="1" lang="zh-CN" altLang="en-US" smtClean="0"/>
-              <a:t>2015/7/28</a:t>
+              <a:t>2015/11/10</a:t>
             </a:fld>
             <a:endParaRPr kumimoji="1" lang="zh-CN" altLang="en-US"/>
           </a:p>
@@ -1993,7 +1993,7 @@
           <a:p>
             <a:fld id="{E9EB3E5B-3A48-BE41-BA18-533F6FCB141B}" type="datetimeFigureOut">
               <a:rPr kumimoji="1" lang="zh-CN" altLang="en-US" smtClean="0"/>
-              <a:t>2015/7/28</a:t>
+              <a:t>2015/11/10</a:t>
             </a:fld>
             <a:endParaRPr kumimoji="1" lang="zh-CN" altLang="en-US"/>
           </a:p>
@@ -2270,7 +2270,7 @@
           <a:p>
             <a:fld id="{E9EB3E5B-3A48-BE41-BA18-533F6FCB141B}" type="datetimeFigureOut">
               <a:rPr kumimoji="1" lang="zh-CN" altLang="en-US" smtClean="0"/>
-              <a:t>2015/7/28</a:t>
+              <a:t>2015/11/10</a:t>
             </a:fld>
             <a:endParaRPr kumimoji="1" lang="zh-CN" altLang="en-US"/>
           </a:p>
@@ -2523,7 +2523,7 @@
           <a:p>
             <a:fld id="{E9EB3E5B-3A48-BE41-BA18-533F6FCB141B}" type="datetimeFigureOut">
               <a:rPr kumimoji="1" lang="zh-CN" altLang="en-US" smtClean="0"/>
-              <a:t>2015/7/28</a:t>
+              <a:t>2015/11/10</a:t>
             </a:fld>
             <a:endParaRPr kumimoji="1" lang="zh-CN" altLang="en-US"/>
           </a:p>
@@ -2736,7 +2736,7 @@
           <a:p>
             <a:fld id="{E9EB3E5B-3A48-BE41-BA18-533F6FCB141B}" type="datetimeFigureOut">
               <a:rPr kumimoji="1" lang="zh-CN" altLang="en-US" smtClean="0"/>
-              <a:t>2015/7/28</a:t>
+              <a:t>2015/11/10</a:t>
             </a:fld>
             <a:endParaRPr kumimoji="1" lang="zh-CN" altLang="en-US"/>
           </a:p>
@@ -3286,123 +3286,6 @@
             </a:p>
           </p:txBody>
         </p:sp>
-        <p:cxnSp>
-          <p:nvCxnSpPr>
-            <p:cNvPr id="35" name="直线箭头连接符 34"/>
-            <p:cNvCxnSpPr>
-              <a:stCxn id="34" idx="2"/>
-              <a:endCxn id="32" idx="0"/>
-            </p:cNvCxnSpPr>
-            <p:nvPr/>
-          </p:nvCxnSpPr>
-          <p:spPr>
-            <a:xfrm flipH="1">
-              <a:off x="2305843" y="2508727"/>
-              <a:ext cx="1321600" cy="1017409"/>
-            </a:xfrm>
-            <a:prstGeom prst="straightConnector1">
-              <a:avLst/>
-            </a:prstGeom>
-            <a:ln w="38100" cmpd="sng">
-              <a:solidFill>
-                <a:srgbClr val="0070C0"/>
-              </a:solidFill>
-              <a:tailEnd type="arrow"/>
-            </a:ln>
-          </p:spPr>
-          <p:style>
-            <a:lnRef idx="2">
-              <a:schemeClr val="accent1"/>
-            </a:lnRef>
-            <a:fillRef idx="0">
-              <a:schemeClr val="accent1"/>
-            </a:fillRef>
-            <a:effectRef idx="1">
-              <a:schemeClr val="accent1"/>
-            </a:effectRef>
-            <a:fontRef idx="minor">
-              <a:schemeClr val="tx1"/>
-            </a:fontRef>
-          </p:style>
-        </p:cxnSp>
-        <p:cxnSp>
-          <p:nvCxnSpPr>
-            <p:cNvPr id="36" name="直线箭头连接符 35"/>
-            <p:cNvCxnSpPr>
-              <a:stCxn id="32" idx="3"/>
-              <a:endCxn id="33" idx="1"/>
-            </p:cNvCxnSpPr>
-            <p:nvPr/>
-          </p:nvCxnSpPr>
-          <p:spPr>
-            <a:xfrm>
-              <a:off x="3191419" y="3994060"/>
-              <a:ext cx="910934" cy="0"/>
-            </a:xfrm>
-            <a:prstGeom prst="straightConnector1">
-              <a:avLst/>
-            </a:prstGeom>
-            <a:ln w="38100" cmpd="sng">
-              <a:solidFill>
-                <a:srgbClr val="FF0000"/>
-              </a:solidFill>
-              <a:tailEnd type="arrow"/>
-            </a:ln>
-          </p:spPr>
-          <p:style>
-            <a:lnRef idx="2">
-              <a:schemeClr val="accent1"/>
-            </a:lnRef>
-            <a:fillRef idx="0">
-              <a:schemeClr val="accent1"/>
-            </a:fillRef>
-            <a:effectRef idx="1">
-              <a:schemeClr val="accent1"/>
-            </a:effectRef>
-            <a:fontRef idx="minor">
-              <a:schemeClr val="tx1"/>
-            </a:fontRef>
-          </p:style>
-        </p:cxnSp>
-        <p:cxnSp>
-          <p:nvCxnSpPr>
-            <p:cNvPr id="37" name="直线箭头连接符 36"/>
-            <p:cNvCxnSpPr>
-              <a:stCxn id="33" idx="0"/>
-              <a:endCxn id="34" idx="2"/>
-            </p:cNvCxnSpPr>
-            <p:nvPr/>
-          </p:nvCxnSpPr>
-          <p:spPr>
-            <a:xfrm flipH="1" flipV="1">
-              <a:off x="3627442" y="2508727"/>
-              <a:ext cx="1360488" cy="1017409"/>
-            </a:xfrm>
-            <a:prstGeom prst="straightConnector1">
-              <a:avLst/>
-            </a:prstGeom>
-            <a:ln w="38100" cmpd="sng">
-              <a:solidFill>
-                <a:srgbClr val="008000"/>
-              </a:solidFill>
-              <a:tailEnd type="arrow"/>
-            </a:ln>
-          </p:spPr>
-          <p:style>
-            <a:lnRef idx="2">
-              <a:schemeClr val="accent1"/>
-            </a:lnRef>
-            <a:fillRef idx="0">
-              <a:schemeClr val="accent1"/>
-            </a:fillRef>
-            <a:effectRef idx="1">
-              <a:schemeClr val="accent1"/>
-            </a:effectRef>
-            <a:fontRef idx="minor">
-              <a:schemeClr val="tx1"/>
-            </a:fontRef>
-          </p:style>
-        </p:cxnSp>
       </p:grpSp>
       <p:grpSp>
         <p:nvGrpSpPr>
@@ -3579,86 +3462,6 @@
             </a:p>
           </p:txBody>
         </p:sp>
-        <p:cxnSp>
-          <p:nvCxnSpPr>
-            <p:cNvPr id="42" name="直线箭头连接符 41"/>
-            <p:cNvCxnSpPr>
-              <a:stCxn id="41" idx="2"/>
-              <a:endCxn id="39" idx="0"/>
-            </p:cNvCxnSpPr>
-            <p:nvPr/>
-          </p:nvCxnSpPr>
-          <p:spPr>
-            <a:xfrm flipH="1">
-              <a:off x="2905247" y="2508727"/>
-              <a:ext cx="1486435" cy="1017409"/>
-            </a:xfrm>
-            <a:prstGeom prst="straightConnector1">
-              <a:avLst/>
-            </a:prstGeom>
-            <a:ln w="38100" cmpd="sng">
-              <a:solidFill>
-                <a:srgbClr val="008000"/>
-              </a:solidFill>
-              <a:headEnd type="arrow"/>
-              <a:tailEnd type="none"/>
-            </a:ln>
-          </p:spPr>
-          <p:style>
-            <a:lnRef idx="2">
-              <a:schemeClr val="accent1"/>
-            </a:lnRef>
-            <a:fillRef idx="0">
-              <a:schemeClr val="accent1"/>
-            </a:fillRef>
-            <a:effectRef idx="1">
-              <a:schemeClr val="accent1"/>
-            </a:effectRef>
-            <a:fontRef idx="minor">
-              <a:schemeClr val="tx1"/>
-            </a:fontRef>
-          </p:style>
-        </p:cxnSp>
-        <p:cxnSp>
-          <p:nvCxnSpPr>
-            <p:cNvPr id="43" name="直线箭头连接符 42"/>
-            <p:cNvCxnSpPr>
-              <a:stCxn id="39" idx="3"/>
-              <a:endCxn id="40" idx="1"/>
-            </p:cNvCxnSpPr>
-            <p:nvPr/>
-          </p:nvCxnSpPr>
-          <p:spPr>
-            <a:xfrm>
-              <a:off x="3790823" y="3994060"/>
-              <a:ext cx="1045800" cy="0"/>
-            </a:xfrm>
-            <a:prstGeom prst="straightConnector1">
-              <a:avLst/>
-            </a:prstGeom>
-            <a:ln w="38100" cmpd="sng">
-              <a:solidFill>
-                <a:srgbClr val="008000"/>
-              </a:solidFill>
-              <a:headEnd type="arrow"/>
-              <a:tailEnd type="none"/>
-            </a:ln>
-          </p:spPr>
-          <p:style>
-            <a:lnRef idx="2">
-              <a:schemeClr val="accent1"/>
-            </a:lnRef>
-            <a:fillRef idx="0">
-              <a:schemeClr val="accent1"/>
-            </a:fillRef>
-            <a:effectRef idx="1">
-              <a:schemeClr val="accent1"/>
-            </a:effectRef>
-            <a:fontRef idx="minor">
-              <a:schemeClr val="tx1"/>
-            </a:fontRef>
-          </p:style>
-        </p:cxnSp>
       </p:grpSp>
       <p:grpSp>
         <p:nvGrpSpPr>
@@ -3852,48 +3655,13 @@
             <a:prstGeom prst="straightConnector1">
               <a:avLst/>
             </a:prstGeom>
-            <a:ln w="38100" cmpd="sng">
+            <a:ln w="88900" cmpd="sng">
               <a:solidFill>
                 <a:srgbClr val="0070C0"/>
               </a:solidFill>
               <a:prstDash val="sysDash"/>
-              <a:tailEnd type="arrow"/>
-            </a:ln>
-          </p:spPr>
-          <p:style>
-            <a:lnRef idx="2">
-              <a:schemeClr val="accent1"/>
-            </a:lnRef>
-            <a:fillRef idx="0">
-              <a:schemeClr val="accent1"/>
-            </a:fillRef>
-            <a:effectRef idx="1">
-              <a:schemeClr val="accent1"/>
-            </a:effectRef>
-            <a:fontRef idx="minor">
-              <a:schemeClr val="tx1"/>
-            </a:fontRef>
-          </p:style>
-        </p:cxnSp>
-        <p:cxnSp>
-          <p:nvCxnSpPr>
-            <p:cNvPr id="49" name="直线箭头连接符 48"/>
-            <p:cNvCxnSpPr/>
-            <p:nvPr/>
-          </p:nvCxnSpPr>
-          <p:spPr>
-            <a:xfrm>
-              <a:off x="3191420" y="4378443"/>
-              <a:ext cx="1120726" cy="0"/>
-            </a:xfrm>
-            <a:prstGeom prst="straightConnector1">
-              <a:avLst/>
-            </a:prstGeom>
-            <a:ln w="38100" cmpd="sng">
-              <a:solidFill>
-                <a:srgbClr val="FF0000"/>
-              </a:solidFill>
-              <a:tailEnd type="arrow"/>
+              <a:headEnd type="none" w="med" len="med"/>
+              <a:tailEnd type="triangle" w="med" len="med"/>
             </a:ln>
           </p:spPr>
           <p:style>
@@ -3928,12 +3696,13 @@
             <a:prstGeom prst="straightConnector1">
               <a:avLst/>
             </a:prstGeom>
-            <a:ln w="38100" cmpd="sng">
+            <a:ln w="85725" cmpd="sng">
               <a:solidFill>
                 <a:srgbClr val="008000"/>
               </a:solidFill>
               <a:prstDash val="sysDash"/>
-              <a:tailEnd type="arrow"/>
+              <a:headEnd type="none"/>
+              <a:tailEnd type="triangle"/>
             </a:ln>
           </p:spPr>
           <p:style>
@@ -3952,80 +3721,6 @@
           </p:style>
         </p:cxnSp>
       </p:grpSp>
-      <p:cxnSp>
-        <p:nvCxnSpPr>
-          <p:cNvPr id="51" name="直线箭头连接符 50"/>
-          <p:cNvCxnSpPr/>
-          <p:nvPr/>
-        </p:nvCxnSpPr>
-        <p:spPr>
-          <a:xfrm>
-            <a:off x="9455653" y="4011879"/>
-            <a:ext cx="749488" cy="0"/>
-          </a:xfrm>
-          <a:prstGeom prst="straightConnector1">
-            <a:avLst/>
-          </a:prstGeom>
-          <a:ln w="38100" cmpd="sng">
-            <a:solidFill>
-              <a:srgbClr val="008000"/>
-            </a:solidFill>
-            <a:headEnd type="arrow"/>
-            <a:tailEnd type="none"/>
-          </a:ln>
-        </p:spPr>
-        <p:style>
-          <a:lnRef idx="2">
-            <a:schemeClr val="accent1"/>
-          </a:lnRef>
-          <a:fillRef idx="0">
-            <a:schemeClr val="accent1"/>
-          </a:fillRef>
-          <a:effectRef idx="1">
-            <a:schemeClr val="accent1"/>
-          </a:effectRef>
-          <a:fontRef idx="minor">
-            <a:schemeClr val="tx1"/>
-          </a:fontRef>
-        </p:style>
-      </p:cxnSp>
-      <p:cxnSp>
-        <p:nvCxnSpPr>
-          <p:cNvPr id="52" name="直线箭头连接符 51"/>
-          <p:cNvCxnSpPr/>
-          <p:nvPr/>
-        </p:nvCxnSpPr>
-        <p:spPr>
-          <a:xfrm flipH="1">
-            <a:off x="1999478" y="3221628"/>
-            <a:ext cx="928598" cy="659698"/>
-          </a:xfrm>
-          <a:prstGeom prst="straightConnector1">
-            <a:avLst/>
-          </a:prstGeom>
-          <a:ln w="38100" cmpd="sng">
-            <a:solidFill>
-              <a:srgbClr val="0070C0"/>
-            </a:solidFill>
-            <a:prstDash val="sysDash"/>
-            <a:tailEnd type="arrow"/>
-          </a:ln>
-        </p:spPr>
-        <p:style>
-          <a:lnRef idx="2">
-            <a:schemeClr val="accent1"/>
-          </a:lnRef>
-          <a:fillRef idx="0">
-            <a:schemeClr val="accent1"/>
-          </a:fillRef>
-          <a:effectRef idx="1">
-            <a:schemeClr val="accent1"/>
-          </a:effectRef>
-          <a:fontRef idx="minor">
-            <a:schemeClr val="tx1"/>
-          </a:fontRef>
-        </p:style>
-      </p:cxnSp>
       <p:sp>
         <p:nvSpPr>
           <p:cNvPr id="3" name="文本框 2"/>
@@ -4312,45 +4007,6 @@
       </p:sp>
       <p:cxnSp>
         <p:nvCxnSpPr>
-          <p:cNvPr id="14" name="直接箭头连接符 13"/>
-          <p:cNvCxnSpPr>
-            <a:stCxn id="41" idx="2"/>
-            <a:endCxn id="40" idx="0"/>
-          </p:cNvCxnSpPr>
-          <p:nvPr/>
-        </p:nvCxnSpPr>
-        <p:spPr>
-          <a:xfrm>
-            <a:off x="3297588" y="3209752"/>
-            <a:ext cx="892188" cy="699617"/>
-          </a:xfrm>
-          <a:prstGeom prst="straightConnector1">
-            <a:avLst/>
-          </a:prstGeom>
-          <a:ln w="38100" cmpd="sng">
-            <a:solidFill>
-              <a:srgbClr val="FF0000"/>
-            </a:solidFill>
-            <a:tailEnd type="arrow"/>
-          </a:ln>
-        </p:spPr>
-        <p:style>
-          <a:lnRef idx="2">
-            <a:schemeClr val="accent1"/>
-          </a:lnRef>
-          <a:fillRef idx="0">
-            <a:schemeClr val="accent1"/>
-          </a:fillRef>
-          <a:effectRef idx="1">
-            <a:schemeClr val="accent1"/>
-          </a:effectRef>
-          <a:fontRef idx="minor">
-            <a:schemeClr val="tx1"/>
-          </a:fontRef>
-        </p:style>
-      </p:cxnSp>
-      <p:cxnSp>
-        <p:nvCxnSpPr>
           <p:cNvPr id="56" name="直接箭头连接符 55"/>
           <p:cNvCxnSpPr/>
           <p:nvPr/>
@@ -4483,318 +4139,525 @@
           </a:p>
         </p:txBody>
       </p:sp>
-      <p:grpSp>
-        <p:nvGrpSpPr>
-          <p:cNvPr id="28" name="组合 27"/>
-          <p:cNvGrpSpPr/>
+      <p:pic>
+        <p:nvPicPr>
+          <p:cNvPr id="1026" name="Picture 2" descr="http://www.fontsaddict.com/images/icons/png/911.png"/>
+          <p:cNvPicPr>
+            <a:picLocks noChangeAspect="1" noChangeArrowheads="1"/>
+          </p:cNvPicPr>
           <p:nvPr/>
-        </p:nvGrpSpPr>
-        <p:grpSpPr>
-          <a:xfrm>
-            <a:off x="6198369" y="3568275"/>
-            <a:ext cx="566447" cy="326996"/>
-            <a:chOff x="5002395" y="1199188"/>
-            <a:chExt cx="807236" cy="529128"/>
+        </p:nvPicPr>
+        <p:blipFill>
+          <a:blip r:embed="rId2">
+            <a:extLst>
+              <a:ext uri="{28A0092B-C50C-407E-A947-70E740481C1C}">
+                <a14:useLocalDpi xmlns:a14="http://schemas.microsoft.com/office/drawing/2010/main" val="0"/>
+              </a:ext>
+            </a:extLst>
+          </a:blip>
+          <a:srcRect/>
+          <a:stretch>
+            <a:fillRect/>
+          </a:stretch>
+        </p:blipFill>
+        <p:spPr bwMode="auto">
+          <a:xfrm flipV="1">
+            <a:off x="2924521" y="3347099"/>
+            <a:ext cx="686562" cy="686562"/>
           </a:xfrm>
+          <a:prstGeom prst="rect">
+            <a:avLst/>
+          </a:prstGeom>
+          <a:noFill/>
+          <a:extLst>
+            <a:ext uri="{909E8E84-426E-40DD-AFC4-6F175D3DCCD1}">
+              <a14:hiddenFill xmlns:a14="http://schemas.microsoft.com/office/drawing/2010/main">
+                <a:solidFill>
+                  <a:srgbClr val="FFFFFF"/>
+                </a:solidFill>
+              </a14:hiddenFill>
+            </a:ext>
+          </a:extLst>
+        </p:spPr>
+      </p:pic>
+      <p:sp>
+        <p:nvSpPr>
+          <p:cNvPr id="4" name="下箭头 3"/>
+          <p:cNvSpPr/>
+          <p:nvPr/>
+        </p:nvSpPr>
+        <p:spPr>
+          <a:xfrm rot="13844251">
+            <a:off x="2547575" y="3038039"/>
+            <a:ext cx="243796" cy="1046225"/>
+          </a:xfrm>
+          <a:prstGeom prst="downArrow">
+            <a:avLst>
+              <a:gd name="adj1" fmla="val 21773"/>
+              <a:gd name="adj2" fmla="val 194230"/>
+            </a:avLst>
+          </a:prstGeom>
           <a:solidFill>
-            <a:srgbClr val="FFC000"/>
+            <a:srgbClr val="00B050"/>
           </a:solidFill>
-        </p:grpSpPr>
-        <p:sp>
-          <p:nvSpPr>
-            <p:cNvPr id="25" name="左弧形箭头 24"/>
-            <p:cNvSpPr/>
-            <p:nvPr/>
-          </p:nvSpPr>
-          <p:spPr>
-            <a:xfrm>
-              <a:off x="5002395" y="1235947"/>
-              <a:ext cx="403618" cy="492369"/>
-            </a:xfrm>
-            <a:prstGeom prst="curvedRightArrow">
-              <a:avLst/>
-            </a:prstGeom>
-            <a:grpFill/>
-          </p:spPr>
-          <p:style>
-            <a:lnRef idx="1">
-              <a:schemeClr val="accent1"/>
-            </a:lnRef>
-            <a:fillRef idx="3">
-              <a:schemeClr val="accent1"/>
-            </a:fillRef>
-            <a:effectRef idx="2">
-              <a:schemeClr val="accent1"/>
-            </a:effectRef>
-            <a:fontRef idx="minor">
-              <a:schemeClr val="lt1"/>
-            </a:fontRef>
-          </p:style>
-          <p:txBody>
-            <a:bodyPr rtlCol="0" anchor="ctr"/>
-            <a:lstStyle/>
-            <a:p>
-              <a:pPr algn="ctr"/>
-              <a:endParaRPr lang="en-US">
+        </p:spPr>
+        <p:style>
+          <a:lnRef idx="1">
+            <a:schemeClr val="accent1"/>
+          </a:lnRef>
+          <a:fillRef idx="3">
+            <a:schemeClr val="accent1"/>
+          </a:fillRef>
+          <a:effectRef idx="2">
+            <a:schemeClr val="accent1"/>
+          </a:effectRef>
+          <a:fontRef idx="minor">
+            <a:schemeClr val="lt1"/>
+          </a:fontRef>
+        </p:style>
+        <p:txBody>
+          <a:bodyPr rtlCol="0" anchor="ctr"/>
+          <a:lstStyle/>
+          <a:p>
+            <a:pPr algn="ctr"/>
+            <a:endParaRPr lang="en-US"/>
+          </a:p>
+        </p:txBody>
+      </p:sp>
+      <p:sp>
+        <p:nvSpPr>
+          <p:cNvPr id="59" name="下箭头 58"/>
+          <p:cNvSpPr/>
+          <p:nvPr/>
+        </p:nvSpPr>
+        <p:spPr>
+          <a:xfrm rot="18741106">
+            <a:off x="3690482" y="3049672"/>
+            <a:ext cx="243796" cy="1046225"/>
+          </a:xfrm>
+          <a:prstGeom prst="downArrow">
+            <a:avLst>
+              <a:gd name="adj1" fmla="val 21773"/>
+              <a:gd name="adj2" fmla="val 194230"/>
+            </a:avLst>
+          </a:prstGeom>
+          <a:solidFill>
+            <a:srgbClr val="FF0000"/>
+          </a:solidFill>
+        </p:spPr>
+        <p:style>
+          <a:lnRef idx="1">
+            <a:schemeClr val="accent1"/>
+          </a:lnRef>
+          <a:fillRef idx="3">
+            <a:schemeClr val="accent1"/>
+          </a:fillRef>
+          <a:effectRef idx="2">
+            <a:schemeClr val="accent1"/>
+          </a:effectRef>
+          <a:fontRef idx="minor">
+            <a:schemeClr val="lt1"/>
+          </a:fontRef>
+        </p:style>
+        <p:txBody>
+          <a:bodyPr rtlCol="0" anchor="ctr"/>
+          <a:lstStyle/>
+          <a:p>
+            <a:pPr algn="ctr"/>
+            <a:endParaRPr lang="en-US"/>
+          </a:p>
+        </p:txBody>
+      </p:sp>
+      <p:sp>
+        <p:nvSpPr>
+          <p:cNvPr id="68" name="下箭头 67"/>
+          <p:cNvSpPr/>
+          <p:nvPr/>
+        </p:nvSpPr>
+        <p:spPr>
+          <a:xfrm rot="5400000">
+            <a:off x="3131312" y="3887969"/>
+            <a:ext cx="243796" cy="715745"/>
+          </a:xfrm>
+          <a:prstGeom prst="downArrow">
+            <a:avLst>
+              <a:gd name="adj1" fmla="val 21771"/>
+              <a:gd name="adj2" fmla="val 128285"/>
+            </a:avLst>
+          </a:prstGeom>
+          <a:solidFill>
+            <a:srgbClr val="00B050"/>
+          </a:solidFill>
+        </p:spPr>
+        <p:style>
+          <a:lnRef idx="1">
+            <a:schemeClr val="accent1"/>
+          </a:lnRef>
+          <a:fillRef idx="3">
+            <a:schemeClr val="accent1"/>
+          </a:fillRef>
+          <a:effectRef idx="2">
+            <a:schemeClr val="accent1"/>
+          </a:effectRef>
+          <a:fontRef idx="minor">
+            <a:schemeClr val="lt1"/>
+          </a:fontRef>
+        </p:style>
+        <p:txBody>
+          <a:bodyPr rtlCol="0" anchor="ctr"/>
+          <a:lstStyle/>
+          <a:p>
+            <a:pPr algn="ctr"/>
+            <a:endParaRPr lang="en-US"/>
+          </a:p>
+        </p:txBody>
+      </p:sp>
+      <p:pic>
+        <p:nvPicPr>
+          <p:cNvPr id="69" name="Picture 2" descr="http://www.fontsaddict.com/images/icons/png/911.png"/>
+          <p:cNvPicPr>
+            <a:picLocks noChangeAspect="1" noChangeArrowheads="1"/>
+          </p:cNvPicPr>
+          <p:nvPr/>
+        </p:nvPicPr>
+        <p:blipFill>
+          <a:blip r:embed="rId2">
+            <a:extLst>
+              <a:ext uri="{28A0092B-C50C-407E-A947-70E740481C1C}">
+                <a14:useLocalDpi xmlns:a14="http://schemas.microsoft.com/office/drawing/2010/main" val="0"/>
+              </a:ext>
+            </a:extLst>
+          </a:blip>
+          <a:srcRect/>
+          <a:stretch>
+            <a:fillRect/>
+          </a:stretch>
+        </p:blipFill>
+        <p:spPr bwMode="auto">
+          <a:xfrm flipH="1" flipV="1">
+            <a:off x="6150799" y="3409178"/>
+            <a:ext cx="695778" cy="686562"/>
+          </a:xfrm>
+          <a:prstGeom prst="rect">
+            <a:avLst/>
+          </a:prstGeom>
+          <a:noFill/>
+          <a:extLst>
+            <a:ext uri="{909E8E84-426E-40DD-AFC4-6F175D3DCCD1}">
+              <a14:hiddenFill xmlns:a14="http://schemas.microsoft.com/office/drawing/2010/main">
                 <a:solidFill>
-                  <a:schemeClr val="tx1"/>
+                  <a:srgbClr val="FFFFFF"/>
                 </a:solidFill>
-              </a:endParaRPr>
-            </a:p>
-          </p:txBody>
-        </p:sp>
-        <p:sp>
-          <p:nvSpPr>
-            <p:cNvPr id="61" name="左弧形箭头 60"/>
-            <p:cNvSpPr/>
-            <p:nvPr/>
-          </p:nvSpPr>
-          <p:spPr>
-            <a:xfrm rot="10800000">
-              <a:off x="5406013" y="1199188"/>
-              <a:ext cx="403618" cy="492369"/>
-            </a:xfrm>
-            <a:prstGeom prst="curvedRightArrow">
-              <a:avLst/>
-            </a:prstGeom>
-            <a:grpFill/>
-          </p:spPr>
-          <p:style>
-            <a:lnRef idx="1">
-              <a:schemeClr val="accent1"/>
-            </a:lnRef>
-            <a:fillRef idx="3">
-              <a:schemeClr val="accent1"/>
-            </a:fillRef>
-            <a:effectRef idx="2">
-              <a:schemeClr val="accent1"/>
-            </a:effectRef>
-            <a:fontRef idx="minor">
-              <a:schemeClr val="lt1"/>
-            </a:fontRef>
-          </p:style>
-          <p:txBody>
-            <a:bodyPr rtlCol="0" anchor="ctr"/>
-            <a:lstStyle/>
-            <a:p>
-              <a:pPr algn="ctr"/>
-              <a:endParaRPr lang="en-US">
+              </a14:hiddenFill>
+            </a:ext>
+          </a:extLst>
+        </p:spPr>
+      </p:pic>
+      <p:sp>
+        <p:nvSpPr>
+          <p:cNvPr id="70" name="下箭头 69"/>
+          <p:cNvSpPr/>
+          <p:nvPr/>
+        </p:nvSpPr>
+        <p:spPr>
+          <a:xfrm rot="3109052">
+            <a:off x="2168333" y="3020364"/>
+            <a:ext cx="243796" cy="1046225"/>
+          </a:xfrm>
+          <a:prstGeom prst="downArrow">
+            <a:avLst>
+              <a:gd name="adj1" fmla="val 21773"/>
+              <a:gd name="adj2" fmla="val 194230"/>
+            </a:avLst>
+          </a:prstGeom>
+          <a:solidFill>
+            <a:srgbClr val="0070C0"/>
+          </a:solidFill>
+        </p:spPr>
+        <p:style>
+          <a:lnRef idx="1">
+            <a:schemeClr val="accent1"/>
+          </a:lnRef>
+          <a:fillRef idx="3">
+            <a:schemeClr val="accent1"/>
+          </a:fillRef>
+          <a:effectRef idx="2">
+            <a:schemeClr val="accent1"/>
+          </a:effectRef>
+          <a:fontRef idx="minor">
+            <a:schemeClr val="lt1"/>
+          </a:fontRef>
+        </p:style>
+        <p:txBody>
+          <a:bodyPr rtlCol="0" anchor="ctr"/>
+          <a:lstStyle/>
+          <a:p>
+            <a:pPr algn="ctr"/>
+            <a:endParaRPr lang="en-US"/>
+          </a:p>
+        </p:txBody>
+      </p:sp>
+      <p:pic>
+        <p:nvPicPr>
+          <p:cNvPr id="71" name="Picture 2" descr="http://www.fontsaddict.com/images/icons/png/911.png"/>
+          <p:cNvPicPr>
+            <a:picLocks noChangeAspect="1" noChangeArrowheads="1"/>
+          </p:cNvPicPr>
+          <p:nvPr/>
+        </p:nvPicPr>
+        <p:blipFill>
+          <a:blip r:embed="rId2">
+            <a:extLst>
+              <a:ext uri="{28A0092B-C50C-407E-A947-70E740481C1C}">
+                <a14:useLocalDpi xmlns:a14="http://schemas.microsoft.com/office/drawing/2010/main" val="0"/>
+              </a:ext>
+            </a:extLst>
+          </a:blip>
+          <a:srcRect/>
+          <a:stretch>
+            <a:fillRect/>
+          </a:stretch>
+        </p:blipFill>
+        <p:spPr bwMode="auto">
+          <a:xfrm flipH="1" flipV="1">
+            <a:off x="9629259" y="4110014"/>
+            <a:ext cx="450309" cy="375777"/>
+          </a:xfrm>
+          <a:prstGeom prst="rect">
+            <a:avLst/>
+          </a:prstGeom>
+          <a:noFill/>
+          <a:extLst>
+            <a:ext uri="{909E8E84-426E-40DD-AFC4-6F175D3DCCD1}">
+              <a14:hiddenFill xmlns:a14="http://schemas.microsoft.com/office/drawing/2010/main">
                 <a:solidFill>
-                  <a:schemeClr val="tx1"/>
+                  <a:srgbClr val="FFFFFF"/>
                 </a:solidFill>
-              </a:endParaRPr>
-            </a:p>
-          </p:txBody>
-        </p:sp>
-      </p:grpSp>
-      <p:grpSp>
-        <p:nvGrpSpPr>
-          <p:cNvPr id="62" name="组合 61"/>
-          <p:cNvGrpSpPr/>
+              </a14:hiddenFill>
+            </a:ext>
+          </a:extLst>
+        </p:spPr>
+      </p:pic>
+      <p:sp>
+        <p:nvSpPr>
+          <p:cNvPr id="72" name="下箭头 71"/>
+          <p:cNvSpPr/>
           <p:nvPr/>
-        </p:nvGrpSpPr>
-        <p:grpSpPr>
-          <a:xfrm>
-            <a:off x="9539102" y="4083105"/>
-            <a:ext cx="566447" cy="326996"/>
-            <a:chOff x="5002395" y="1199188"/>
-            <a:chExt cx="807236" cy="529128"/>
+        </p:nvSpPr>
+        <p:spPr>
+          <a:xfrm rot="3109052">
+            <a:off x="5717625" y="3054413"/>
+            <a:ext cx="243796" cy="1046225"/>
           </a:xfrm>
+          <a:prstGeom prst="downArrow">
+            <a:avLst>
+              <a:gd name="adj1" fmla="val 21773"/>
+              <a:gd name="adj2" fmla="val 194230"/>
+            </a:avLst>
+          </a:prstGeom>
           <a:solidFill>
-            <a:srgbClr val="FFC000"/>
+            <a:srgbClr val="0070C0"/>
           </a:solidFill>
-        </p:grpSpPr>
-        <p:sp>
-          <p:nvSpPr>
-            <p:cNvPr id="63" name="左弧形箭头 62"/>
-            <p:cNvSpPr/>
-            <p:nvPr/>
-          </p:nvSpPr>
-          <p:spPr>
-            <a:xfrm>
-              <a:off x="5002395" y="1235947"/>
-              <a:ext cx="403618" cy="492369"/>
-            </a:xfrm>
-            <a:prstGeom prst="curvedRightArrow">
-              <a:avLst/>
-            </a:prstGeom>
-            <a:grpFill/>
-          </p:spPr>
-          <p:style>
-            <a:lnRef idx="1">
-              <a:schemeClr val="accent1"/>
-            </a:lnRef>
-            <a:fillRef idx="3">
-              <a:schemeClr val="accent1"/>
-            </a:fillRef>
-            <a:effectRef idx="2">
-              <a:schemeClr val="accent1"/>
-            </a:effectRef>
-            <a:fontRef idx="minor">
-              <a:schemeClr val="lt1"/>
-            </a:fontRef>
-          </p:style>
-          <p:txBody>
-            <a:bodyPr rtlCol="0" anchor="ctr"/>
-            <a:lstStyle/>
-            <a:p>
-              <a:pPr algn="ctr"/>
-              <a:endParaRPr lang="en-US">
-                <a:solidFill>
-                  <a:schemeClr val="tx1"/>
-                </a:solidFill>
-              </a:endParaRPr>
-            </a:p>
-          </p:txBody>
-        </p:sp>
-        <p:sp>
-          <p:nvSpPr>
-            <p:cNvPr id="64" name="左弧形箭头 63"/>
-            <p:cNvSpPr/>
-            <p:nvPr/>
-          </p:nvSpPr>
-          <p:spPr>
-            <a:xfrm rot="10800000">
-              <a:off x="5406013" y="1199188"/>
-              <a:ext cx="403618" cy="492369"/>
-            </a:xfrm>
-            <a:prstGeom prst="curvedRightArrow">
-              <a:avLst/>
-            </a:prstGeom>
-            <a:grpFill/>
-          </p:spPr>
-          <p:style>
-            <a:lnRef idx="1">
-              <a:schemeClr val="accent1"/>
-            </a:lnRef>
-            <a:fillRef idx="3">
-              <a:schemeClr val="accent1"/>
-            </a:fillRef>
-            <a:effectRef idx="2">
-              <a:schemeClr val="accent1"/>
-            </a:effectRef>
-            <a:fontRef idx="minor">
-              <a:schemeClr val="lt1"/>
-            </a:fontRef>
-          </p:style>
-          <p:txBody>
-            <a:bodyPr rtlCol="0" anchor="ctr"/>
-            <a:lstStyle/>
-            <a:p>
-              <a:pPr algn="ctr"/>
-              <a:endParaRPr lang="en-US">
-                <a:solidFill>
-                  <a:schemeClr val="tx1"/>
-                </a:solidFill>
-              </a:endParaRPr>
-            </a:p>
-          </p:txBody>
-        </p:sp>
-      </p:grpSp>
-      <p:grpSp>
-        <p:nvGrpSpPr>
-          <p:cNvPr id="67" name="组合 66"/>
-          <p:cNvGrpSpPr/>
+        </p:spPr>
+        <p:style>
+          <a:lnRef idx="1">
+            <a:schemeClr val="accent1"/>
+          </a:lnRef>
+          <a:fillRef idx="3">
+            <a:schemeClr val="accent1"/>
+          </a:fillRef>
+          <a:effectRef idx="2">
+            <a:schemeClr val="accent1"/>
+          </a:effectRef>
+          <a:fontRef idx="minor">
+            <a:schemeClr val="lt1"/>
+          </a:fontRef>
+        </p:style>
+        <p:txBody>
+          <a:bodyPr rtlCol="0" anchor="ctr"/>
+          <a:lstStyle/>
+          <a:p>
+            <a:pPr algn="ctr"/>
+            <a:endParaRPr lang="en-US"/>
+          </a:p>
+        </p:txBody>
+      </p:sp>
+      <p:sp>
+        <p:nvSpPr>
+          <p:cNvPr id="73" name="下箭头 72"/>
+          <p:cNvSpPr/>
           <p:nvPr/>
-        </p:nvGrpSpPr>
-        <p:grpSpPr>
-          <a:xfrm>
-            <a:off x="2943957" y="3541078"/>
-            <a:ext cx="602194" cy="447785"/>
-            <a:chOff x="4994030" y="1229333"/>
-            <a:chExt cx="783772" cy="619564"/>
+        </p:nvSpPr>
+        <p:spPr>
+          <a:xfrm rot="7553625">
+            <a:off x="6911190" y="3029841"/>
+            <a:ext cx="243796" cy="1046225"/>
           </a:xfrm>
+          <a:prstGeom prst="downArrow">
+            <a:avLst>
+              <a:gd name="adj1" fmla="val 21773"/>
+              <a:gd name="adj2" fmla="val 194230"/>
+            </a:avLst>
+          </a:prstGeom>
           <a:solidFill>
-            <a:srgbClr val="FFC000"/>
+            <a:srgbClr val="00B050"/>
           </a:solidFill>
-        </p:grpSpPr>
-        <p:sp>
-          <p:nvSpPr>
-            <p:cNvPr id="65" name="右弧形箭头 64"/>
-            <p:cNvSpPr/>
-            <p:nvPr/>
-          </p:nvSpPr>
-          <p:spPr>
-            <a:xfrm>
-              <a:off x="5385916" y="1266092"/>
-              <a:ext cx="391886" cy="582805"/>
-            </a:xfrm>
-            <a:prstGeom prst="curvedLeftArrow">
-              <a:avLst/>
-            </a:prstGeom>
-            <a:grpFill/>
-          </p:spPr>
-          <p:style>
-            <a:lnRef idx="1">
-              <a:schemeClr val="accent1"/>
-            </a:lnRef>
-            <a:fillRef idx="3">
-              <a:schemeClr val="accent1"/>
-            </a:fillRef>
-            <a:effectRef idx="2">
-              <a:schemeClr val="accent1"/>
-            </a:effectRef>
-            <a:fontRef idx="minor">
-              <a:schemeClr val="lt1"/>
-            </a:fontRef>
-          </p:style>
-          <p:txBody>
-            <a:bodyPr rtlCol="0" anchor="ctr"/>
-            <a:lstStyle/>
-            <a:p>
-              <a:pPr algn="ctr"/>
-              <a:endParaRPr lang="en-US">
-                <a:solidFill>
-                  <a:schemeClr val="tx1"/>
-                </a:solidFill>
-              </a:endParaRPr>
-            </a:p>
-          </p:txBody>
-        </p:sp>
-        <p:sp>
-          <p:nvSpPr>
-            <p:cNvPr id="66" name="右弧形箭头 65"/>
-            <p:cNvSpPr/>
-            <p:nvPr/>
-          </p:nvSpPr>
-          <p:spPr>
-            <a:xfrm rot="10800000">
-              <a:off x="4994030" y="1229333"/>
-              <a:ext cx="391886" cy="582805"/>
-            </a:xfrm>
-            <a:prstGeom prst="curvedLeftArrow">
-              <a:avLst/>
-            </a:prstGeom>
-            <a:grpFill/>
-          </p:spPr>
-          <p:style>
-            <a:lnRef idx="1">
-              <a:schemeClr val="accent1"/>
-            </a:lnRef>
-            <a:fillRef idx="3">
-              <a:schemeClr val="accent1"/>
-            </a:fillRef>
-            <a:effectRef idx="2">
-              <a:schemeClr val="accent1"/>
-            </a:effectRef>
-            <a:fontRef idx="minor">
-              <a:schemeClr val="lt1"/>
-            </a:fontRef>
-          </p:style>
-          <p:txBody>
-            <a:bodyPr rtlCol="0" anchor="ctr"/>
-            <a:lstStyle/>
-            <a:p>
-              <a:pPr algn="ctr"/>
-              <a:endParaRPr lang="en-US">
-                <a:solidFill>
-                  <a:schemeClr val="tx1"/>
-                </a:solidFill>
-              </a:endParaRPr>
-            </a:p>
-          </p:txBody>
-        </p:sp>
-      </p:grpSp>
+        </p:spPr>
+        <p:style>
+          <a:lnRef idx="1">
+            <a:schemeClr val="accent1"/>
+          </a:lnRef>
+          <a:fillRef idx="3">
+            <a:schemeClr val="accent1"/>
+          </a:fillRef>
+          <a:effectRef idx="2">
+            <a:schemeClr val="accent1"/>
+          </a:effectRef>
+          <a:fontRef idx="minor">
+            <a:schemeClr val="lt1"/>
+          </a:fontRef>
+        </p:style>
+        <p:txBody>
+          <a:bodyPr rtlCol="0" anchor="ctr"/>
+          <a:lstStyle/>
+          <a:p>
+            <a:pPr algn="ctr"/>
+            <a:endParaRPr lang="en-US"/>
+          </a:p>
+        </p:txBody>
+      </p:sp>
+      <p:sp>
+        <p:nvSpPr>
+          <p:cNvPr id="74" name="下箭头 73"/>
+          <p:cNvSpPr/>
+          <p:nvPr/>
+        </p:nvSpPr>
+        <p:spPr>
+          <a:xfrm rot="16200000">
+            <a:off x="6383625" y="3958748"/>
+            <a:ext cx="243796" cy="590727"/>
+          </a:xfrm>
+          <a:prstGeom prst="downArrow">
+            <a:avLst>
+              <a:gd name="adj1" fmla="val 21773"/>
+              <a:gd name="adj2" fmla="val 136527"/>
+            </a:avLst>
+          </a:prstGeom>
+          <a:solidFill>
+            <a:srgbClr val="FF0000"/>
+          </a:solidFill>
+        </p:spPr>
+        <p:style>
+          <a:lnRef idx="1">
+            <a:schemeClr val="accent1"/>
+          </a:lnRef>
+          <a:fillRef idx="3">
+            <a:schemeClr val="accent1"/>
+          </a:fillRef>
+          <a:effectRef idx="2">
+            <a:schemeClr val="accent1"/>
+          </a:effectRef>
+          <a:fontRef idx="minor">
+            <a:schemeClr val="lt1"/>
+          </a:fontRef>
+        </p:style>
+        <p:txBody>
+          <a:bodyPr rtlCol="0" anchor="ctr"/>
+          <a:lstStyle/>
+          <a:p>
+            <a:pPr algn="ctr"/>
+            <a:endParaRPr lang="en-US"/>
+          </a:p>
+        </p:txBody>
+      </p:sp>
+      <p:sp>
+        <p:nvSpPr>
+          <p:cNvPr id="75" name="下箭头 74"/>
+          <p:cNvSpPr/>
+          <p:nvPr/>
+        </p:nvSpPr>
+        <p:spPr>
+          <a:xfrm rot="5400000">
+            <a:off x="9727999" y="3690879"/>
+            <a:ext cx="180707" cy="715745"/>
+          </a:xfrm>
+          <a:prstGeom prst="downArrow">
+            <a:avLst>
+              <a:gd name="adj1" fmla="val 21771"/>
+              <a:gd name="adj2" fmla="val 128285"/>
+            </a:avLst>
+          </a:prstGeom>
+          <a:solidFill>
+            <a:srgbClr val="00B050"/>
+          </a:solidFill>
+        </p:spPr>
+        <p:style>
+          <a:lnRef idx="1">
+            <a:schemeClr val="accent1"/>
+          </a:lnRef>
+          <a:fillRef idx="3">
+            <a:schemeClr val="accent1"/>
+          </a:fillRef>
+          <a:effectRef idx="2">
+            <a:schemeClr val="accent1"/>
+          </a:effectRef>
+          <a:fontRef idx="minor">
+            <a:schemeClr val="lt1"/>
+          </a:fontRef>
+        </p:style>
+        <p:txBody>
+          <a:bodyPr rtlCol="0" anchor="ctr"/>
+          <a:lstStyle/>
+          <a:p>
+            <a:pPr algn="ctr"/>
+            <a:endParaRPr lang="en-US"/>
+          </a:p>
+        </p:txBody>
+      </p:sp>
+      <p:sp>
+        <p:nvSpPr>
+          <p:cNvPr id="76" name="下箭头 75"/>
+          <p:cNvSpPr/>
+          <p:nvPr/>
+        </p:nvSpPr>
+        <p:spPr>
+          <a:xfrm rot="16200000">
+            <a:off x="9746199" y="4181506"/>
+            <a:ext cx="179106" cy="680955"/>
+          </a:xfrm>
+          <a:prstGeom prst="downArrow">
+            <a:avLst>
+              <a:gd name="adj1" fmla="val 21773"/>
+              <a:gd name="adj2" fmla="val 136527"/>
+            </a:avLst>
+          </a:prstGeom>
+          <a:solidFill>
+            <a:srgbClr val="FF0000"/>
+          </a:solidFill>
+        </p:spPr>
+        <p:style>
+          <a:lnRef idx="1">
+            <a:schemeClr val="accent1"/>
+          </a:lnRef>
+          <a:fillRef idx="3">
+            <a:schemeClr val="accent1"/>
+          </a:fillRef>
+          <a:effectRef idx="2">
+            <a:schemeClr val="accent1"/>
+          </a:effectRef>
+          <a:fontRef idx="minor">
+            <a:schemeClr val="lt1"/>
+          </a:fontRef>
+        </p:style>
+        <p:txBody>
+          <a:bodyPr rtlCol="0" anchor="ctr"/>
+          <a:lstStyle/>
+          <a:p>
+            <a:pPr algn="ctr"/>
+            <a:endParaRPr lang="en-US"/>
+          </a:p>
+        </p:txBody>
+      </p:sp>
     </p:spTree>
     <p:extLst>
       <p:ext uri="{BB962C8B-B14F-4D97-AF65-F5344CB8AC3E}">
